--- a/Stacks and Queues.pptx
+++ b/Stacks and Queues.pptx
@@ -12,6 +12,7 @@
     <p:sldId id="260" r:id="rId6"/>
     <p:sldId id="261" r:id="rId7"/>
     <p:sldId id="262" r:id="rId8"/>
+    <p:sldId id="263" r:id="rId9"/>
   </p:sldIdLst>
   <p:sldSz cx="12192000" cy="6858000"/>
   <p:notesSz cx="6858000" cy="9144000"/>
@@ -7896,6 +7897,177 @@
 </p:sld>
 </file>
 
+<file path=ppt/slides/slide8.xml><?xml version="1.0" encoding="utf-8"?>
+<p:sld xmlns:a="http://schemas.openxmlformats.org/drawingml/2006/main" xmlns:r="http://schemas.openxmlformats.org/officeDocument/2006/relationships" xmlns:p="http://schemas.openxmlformats.org/presentationml/2006/main">
+  <p:cSld>
+    <p:spTree>
+      <p:nvGrpSpPr>
+        <p:cNvPr id="1" name=""/>
+        <p:cNvGrpSpPr/>
+        <p:nvPr/>
+      </p:nvGrpSpPr>
+      <p:grpSpPr>
+        <a:xfrm>
+          <a:off x="0" y="0"/>
+          <a:ext cx="0" cy="0"/>
+          <a:chOff x="0" y="0"/>
+          <a:chExt cx="0" cy="0"/>
+        </a:xfrm>
+      </p:grpSpPr>
+      <p:sp>
+        <p:nvSpPr>
+          <p:cNvPr id="3" name="TextBox 2">
+            <a:extLst>
+              <a:ext uri="{FF2B5EF4-FFF2-40B4-BE49-F238E27FC236}">
+                <a16:creationId xmlns:a16="http://schemas.microsoft.com/office/drawing/2014/main" id="{0873C08D-EFEE-4BA1-A886-61EE96358A3D}"/>
+              </a:ext>
+            </a:extLst>
+          </p:cNvPr>
+          <p:cNvSpPr txBox="1"/>
+          <p:nvPr/>
+        </p:nvSpPr>
+        <p:spPr>
+          <a:xfrm>
+            <a:off x="745724" y="292963"/>
+            <a:ext cx="3888420" cy="400110"/>
+          </a:xfrm>
+          <a:prstGeom prst="rect">
+            <a:avLst/>
+          </a:prstGeom>
+          <a:noFill/>
+        </p:spPr>
+        <p:txBody>
+          <a:bodyPr wrap="square" rtlCol="0">
+            <a:spAutoFit/>
+          </a:bodyPr>
+          <a:lstStyle/>
+          <a:p>
+            <a:r>
+              <a:rPr lang="en-US" sz="2000" u="sng" dirty="0">
+                <a:latin typeface="Courier New" panose="02070309020205020404" pitchFamily="49" charset="0"/>
+                <a:cs typeface="Courier New" panose="02070309020205020404" pitchFamily="49" charset="0"/>
+              </a:rPr>
+              <a:t>References:</a:t>
+            </a:r>
+          </a:p>
+        </p:txBody>
+      </p:sp>
+      <p:sp>
+        <p:nvSpPr>
+          <p:cNvPr id="4" name="TextBox 3">
+            <a:extLst>
+              <a:ext uri="{FF2B5EF4-FFF2-40B4-BE49-F238E27FC236}">
+                <a16:creationId xmlns:a16="http://schemas.microsoft.com/office/drawing/2014/main" id="{32C47A28-36B0-4BB8-98FC-2F6BD6C2BFB3}"/>
+              </a:ext>
+            </a:extLst>
+          </p:cNvPr>
+          <p:cNvSpPr txBox="1"/>
+          <p:nvPr/>
+        </p:nvSpPr>
+        <p:spPr>
+          <a:xfrm>
+            <a:off x="903767" y="1095153"/>
+            <a:ext cx="8168839" cy="2862322"/>
+          </a:xfrm>
+          <a:prstGeom prst="rect">
+            <a:avLst/>
+          </a:prstGeom>
+          <a:noFill/>
+        </p:spPr>
+        <p:txBody>
+          <a:bodyPr wrap="none" rtlCol="0">
+            <a:spAutoFit/>
+          </a:bodyPr>
+          <a:lstStyle/>
+          <a:p>
+            <a:r>
+              <a:rPr lang="en-US" dirty="0">
+                <a:hlinkClick r:id="rId2"/>
+              </a:rPr>
+              <a:t>https://www.geeksforgeeks.org/stack-data-structure-introduction-program/</a:t>
+            </a:r>
+            <a:endParaRPr lang="en-US" dirty="0"/>
+          </a:p>
+          <a:p>
+            <a:r>
+              <a:rPr lang="en-US" dirty="0">
+                <a:hlinkClick r:id="rId3"/>
+              </a:rPr>
+              <a:t>https://www.faceprep.in/data-structures/stack-applications-in-data-structure/</a:t>
+            </a:r>
+            <a:endParaRPr lang="en-US" dirty="0"/>
+          </a:p>
+          <a:p>
+            <a:endParaRPr lang="en-US" dirty="0"/>
+          </a:p>
+          <a:p>
+            <a:r>
+              <a:rPr lang="en-US" dirty="0">
+                <a:hlinkClick r:id="rId4"/>
+              </a:rPr>
+              <a:t>https://www.geeksforgeeks.org/queue-set-1introduction-and-array-implementation/</a:t>
+            </a:r>
+            <a:endParaRPr lang="en-US" dirty="0"/>
+          </a:p>
+          <a:p>
+            <a:r>
+              <a:rPr lang="en-US" dirty="0">
+                <a:hlinkClick r:id="rId5"/>
+              </a:rPr>
+              <a:t>https://www.geeksforgeeks.org/applications-of-queue-data-structure/</a:t>
+            </a:r>
+            <a:endParaRPr lang="en-US" dirty="0"/>
+          </a:p>
+          <a:p>
+            <a:endParaRPr lang="en-US" dirty="0"/>
+          </a:p>
+          <a:p>
+            <a:r>
+              <a:rPr lang="en-US" dirty="0"/>
+              <a:t>Further reading </a:t>
+            </a:r>
+            <a:r>
+              <a:rPr lang="en-US" dirty="0">
+                <a:hlinkClick r:id="rId6"/>
+              </a:rPr>
+              <a:t>https://en.wikipedia.org/wiki/Circular_buffer</a:t>
+            </a:r>
+            <a:endParaRPr lang="en-US" dirty="0"/>
+          </a:p>
+          <a:p>
+            <a:endParaRPr lang="en-US" dirty="0"/>
+          </a:p>
+          <a:p>
+            <a:r>
+              <a:rPr lang="en-US" dirty="0"/>
+              <a:t>Resources </a:t>
+            </a:r>
+            <a:r>
+              <a:rPr lang="en-US" dirty="0">
+                <a:hlinkClick r:id="rId7"/>
+              </a:rPr>
+              <a:t>https://github.com/AnanthKumarVasamsetti/demo</a:t>
+            </a:r>
+            <a:endParaRPr lang="en-US" dirty="0"/>
+          </a:p>
+          <a:p>
+            <a:endParaRPr lang="en-US" dirty="0"/>
+          </a:p>
+        </p:txBody>
+      </p:sp>
+    </p:spTree>
+    <p:extLst>
+      <p:ext uri="{BB962C8B-B14F-4D97-AF65-F5344CB8AC3E}">
+        <p14:creationId xmlns:p14="http://schemas.microsoft.com/office/powerpoint/2010/main" val="1617767790"/>
+      </p:ext>
+    </p:extLst>
+  </p:cSld>
+  <p:clrMapOvr>
+    <a:masterClrMapping/>
+  </p:clrMapOvr>
+</p:sld>
+</file>
+
 <file path=ppt/theme/theme1.xml><?xml version="1.0" encoding="utf-8"?>
 <a:theme xmlns:a="http://schemas.openxmlformats.org/drawingml/2006/main" name="Retrospect">
   <a:themeElements>
